--- a/doc/Task07/CS1_Task07 Präsentation Blue.pptx
+++ b/doc/Task07/CS1_Task07 Präsentation Blue.pptx
@@ -5,10 +5,10 @@
     <p:sldMasterId id="2147483669" r:id="rId4"/>
   </p:sldMasterIdLst>
   <p:notesMasterIdLst>
-    <p:notesMasterId r:id="rId13"/>
+    <p:notesMasterId r:id="rId16"/>
   </p:notesMasterIdLst>
   <p:handoutMasterIdLst>
-    <p:handoutMasterId r:id="rId14"/>
+    <p:handoutMasterId r:id="rId17"/>
   </p:handoutMasterIdLst>
   <p:sldIdLst>
     <p:sldId id="256" r:id="rId5"/>
@@ -18,7 +18,10 @@
     <p:sldId id="290" r:id="rId9"/>
     <p:sldId id="291" r:id="rId10"/>
     <p:sldId id="292" r:id="rId11"/>
-    <p:sldId id="293" r:id="rId12"/>
+    <p:sldId id="294" r:id="rId12"/>
+    <p:sldId id="295" r:id="rId13"/>
+    <p:sldId id="296" r:id="rId14"/>
+    <p:sldId id="293" r:id="rId15"/>
   </p:sldIdLst>
   <p:sldSz cx="9144000" cy="6858000" type="screen4x3"/>
   <p:notesSz cx="6797675" cy="9872663"/>
@@ -262,7 +265,7 @@
           <a:p>
             <a:fld id="{EFA0D184-D464-48E9-9CA0-A94E873F6C2C}" type="datetimeFigureOut">
               <a:rPr lang="de-CH" smtClean="0"/>
-              <a:t>04.11.2014</a:t>
+              <a:t>05.11.2014</a:t>
             </a:fld>
             <a:endParaRPr lang="de-CH"/>
           </a:p>
@@ -427,7 +430,7 @@
           <a:p>
             <a:fld id="{5AF2B663-2BA9-4D7E-8201-5DE4109E1EDD}" type="datetimeFigureOut">
               <a:rPr lang="de-CH" smtClean="0"/>
-              <a:t>04.11.2014</a:t>
+              <a:t>05.11.2014</a:t>
             </a:fld>
             <a:endParaRPr lang="de-CH"/>
           </a:p>
@@ -1097,6 +1100,258 @@
             <a:fld id="{37E44704-8E6D-4CF2-8CFA-A0F7BC751896}" type="slidenum">
               <a:rPr lang="de-CH" smtClean="0"/>
               <a:t>7</a:t>
+            </a:fld>
+            <a:endParaRPr lang="de-CH"/>
+          </a:p>
+        </p:txBody>
+      </p:sp>
+    </p:spTree>
+    <p:extLst>
+      <p:ext uri="{BB962C8B-B14F-4D97-AF65-F5344CB8AC3E}">
+        <p14:creationId xmlns:p14="http://schemas.microsoft.com/office/powerpoint/2010/main" val="1773337768"/>
+      </p:ext>
+    </p:extLst>
+  </p:cSld>
+  <p:clrMapOvr>
+    <a:masterClrMapping/>
+  </p:clrMapOvr>
+</p:notes>
+</file>
+
+<file path=ppt/notesSlides/notesSlide6.xml><?xml version="1.0" encoding="utf-8"?>
+<p:notes xmlns:a="http://schemas.openxmlformats.org/drawingml/2006/main" xmlns:r="http://schemas.openxmlformats.org/officeDocument/2006/relationships" xmlns:p="http://schemas.openxmlformats.org/presentationml/2006/main">
+  <p:cSld>
+    <p:spTree>
+      <p:nvGrpSpPr>
+        <p:cNvPr id="1" name=""/>
+        <p:cNvGrpSpPr/>
+        <p:nvPr/>
+      </p:nvGrpSpPr>
+      <p:grpSpPr>
+        <a:xfrm>
+          <a:off x="0" y="0"/>
+          <a:ext cx="0" cy="0"/>
+          <a:chOff x="0" y="0"/>
+          <a:chExt cx="0" cy="0"/>
+        </a:xfrm>
+      </p:grpSpPr>
+      <p:sp>
+        <p:nvSpPr>
+          <p:cNvPr id="2" name="Folienbildplatzhalter 1"/>
+          <p:cNvSpPr>
+            <a:spLocks noGrp="1" noRot="1" noChangeAspect="1"/>
+          </p:cNvSpPr>
+          <p:nvPr>
+            <p:ph type="sldImg"/>
+          </p:nvPr>
+        </p:nvSpPr>
+        <p:spPr/>
+      </p:sp>
+      <p:sp>
+        <p:nvSpPr>
+          <p:cNvPr id="3" name="Notizenplatzhalter 2"/>
+          <p:cNvSpPr>
+            <a:spLocks noGrp="1"/>
+          </p:cNvSpPr>
+          <p:nvPr>
+            <p:ph type="body" idx="1"/>
+          </p:nvPr>
+        </p:nvSpPr>
+        <p:spPr/>
+        <p:txBody>
+          <a:bodyPr/>
+          <a:lstStyle/>
+          <a:p>
+            <a:endParaRPr lang="de-CH"/>
+          </a:p>
+        </p:txBody>
+      </p:sp>
+      <p:sp>
+        <p:nvSpPr>
+          <p:cNvPr id="4" name="Foliennummernplatzhalter 3"/>
+          <p:cNvSpPr>
+            <a:spLocks noGrp="1"/>
+          </p:cNvSpPr>
+          <p:nvPr>
+            <p:ph type="sldNum" sz="quarter" idx="10"/>
+          </p:nvPr>
+        </p:nvSpPr>
+        <p:spPr/>
+        <p:txBody>
+          <a:bodyPr/>
+          <a:lstStyle/>
+          <a:p>
+            <a:fld id="{37E44704-8E6D-4CF2-8CFA-A0F7BC751896}" type="slidenum">
+              <a:rPr lang="de-CH" smtClean="0"/>
+              <a:t>8</a:t>
+            </a:fld>
+            <a:endParaRPr lang="de-CH"/>
+          </a:p>
+        </p:txBody>
+      </p:sp>
+    </p:spTree>
+    <p:extLst>
+      <p:ext uri="{BB962C8B-B14F-4D97-AF65-F5344CB8AC3E}">
+        <p14:creationId xmlns:p14="http://schemas.microsoft.com/office/powerpoint/2010/main" val="1773337768"/>
+      </p:ext>
+    </p:extLst>
+  </p:cSld>
+  <p:clrMapOvr>
+    <a:masterClrMapping/>
+  </p:clrMapOvr>
+</p:notes>
+</file>
+
+<file path=ppt/notesSlides/notesSlide7.xml><?xml version="1.0" encoding="utf-8"?>
+<p:notes xmlns:a="http://schemas.openxmlformats.org/drawingml/2006/main" xmlns:r="http://schemas.openxmlformats.org/officeDocument/2006/relationships" xmlns:p="http://schemas.openxmlformats.org/presentationml/2006/main">
+  <p:cSld>
+    <p:spTree>
+      <p:nvGrpSpPr>
+        <p:cNvPr id="1" name=""/>
+        <p:cNvGrpSpPr/>
+        <p:nvPr/>
+      </p:nvGrpSpPr>
+      <p:grpSpPr>
+        <a:xfrm>
+          <a:off x="0" y="0"/>
+          <a:ext cx="0" cy="0"/>
+          <a:chOff x="0" y="0"/>
+          <a:chExt cx="0" cy="0"/>
+        </a:xfrm>
+      </p:grpSpPr>
+      <p:sp>
+        <p:nvSpPr>
+          <p:cNvPr id="2" name="Folienbildplatzhalter 1"/>
+          <p:cNvSpPr>
+            <a:spLocks noGrp="1" noRot="1" noChangeAspect="1"/>
+          </p:cNvSpPr>
+          <p:nvPr>
+            <p:ph type="sldImg"/>
+          </p:nvPr>
+        </p:nvSpPr>
+        <p:spPr/>
+      </p:sp>
+      <p:sp>
+        <p:nvSpPr>
+          <p:cNvPr id="3" name="Notizenplatzhalter 2"/>
+          <p:cNvSpPr>
+            <a:spLocks noGrp="1"/>
+          </p:cNvSpPr>
+          <p:nvPr>
+            <p:ph type="body" idx="1"/>
+          </p:nvPr>
+        </p:nvSpPr>
+        <p:spPr/>
+        <p:txBody>
+          <a:bodyPr/>
+          <a:lstStyle/>
+          <a:p>
+            <a:endParaRPr lang="de-CH"/>
+          </a:p>
+        </p:txBody>
+      </p:sp>
+      <p:sp>
+        <p:nvSpPr>
+          <p:cNvPr id="4" name="Foliennummernplatzhalter 3"/>
+          <p:cNvSpPr>
+            <a:spLocks noGrp="1"/>
+          </p:cNvSpPr>
+          <p:nvPr>
+            <p:ph type="sldNum" sz="quarter" idx="10"/>
+          </p:nvPr>
+        </p:nvSpPr>
+        <p:spPr/>
+        <p:txBody>
+          <a:bodyPr/>
+          <a:lstStyle/>
+          <a:p>
+            <a:fld id="{37E44704-8E6D-4CF2-8CFA-A0F7BC751896}" type="slidenum">
+              <a:rPr lang="de-CH" smtClean="0"/>
+              <a:t>9</a:t>
+            </a:fld>
+            <a:endParaRPr lang="de-CH"/>
+          </a:p>
+        </p:txBody>
+      </p:sp>
+    </p:spTree>
+    <p:extLst>
+      <p:ext uri="{BB962C8B-B14F-4D97-AF65-F5344CB8AC3E}">
+        <p14:creationId xmlns:p14="http://schemas.microsoft.com/office/powerpoint/2010/main" val="1773337768"/>
+      </p:ext>
+    </p:extLst>
+  </p:cSld>
+  <p:clrMapOvr>
+    <a:masterClrMapping/>
+  </p:clrMapOvr>
+</p:notes>
+</file>
+
+<file path=ppt/notesSlides/notesSlide8.xml><?xml version="1.0" encoding="utf-8"?>
+<p:notes xmlns:a="http://schemas.openxmlformats.org/drawingml/2006/main" xmlns:r="http://schemas.openxmlformats.org/officeDocument/2006/relationships" xmlns:p="http://schemas.openxmlformats.org/presentationml/2006/main">
+  <p:cSld>
+    <p:spTree>
+      <p:nvGrpSpPr>
+        <p:cNvPr id="1" name=""/>
+        <p:cNvGrpSpPr/>
+        <p:nvPr/>
+      </p:nvGrpSpPr>
+      <p:grpSpPr>
+        <a:xfrm>
+          <a:off x="0" y="0"/>
+          <a:ext cx="0" cy="0"/>
+          <a:chOff x="0" y="0"/>
+          <a:chExt cx="0" cy="0"/>
+        </a:xfrm>
+      </p:grpSpPr>
+      <p:sp>
+        <p:nvSpPr>
+          <p:cNvPr id="2" name="Folienbildplatzhalter 1"/>
+          <p:cNvSpPr>
+            <a:spLocks noGrp="1" noRot="1" noChangeAspect="1"/>
+          </p:cNvSpPr>
+          <p:nvPr>
+            <p:ph type="sldImg"/>
+          </p:nvPr>
+        </p:nvSpPr>
+        <p:spPr/>
+      </p:sp>
+      <p:sp>
+        <p:nvSpPr>
+          <p:cNvPr id="3" name="Notizenplatzhalter 2"/>
+          <p:cNvSpPr>
+            <a:spLocks noGrp="1"/>
+          </p:cNvSpPr>
+          <p:nvPr>
+            <p:ph type="body" idx="1"/>
+          </p:nvPr>
+        </p:nvSpPr>
+        <p:spPr/>
+        <p:txBody>
+          <a:bodyPr/>
+          <a:lstStyle/>
+          <a:p>
+            <a:endParaRPr lang="de-CH"/>
+          </a:p>
+        </p:txBody>
+      </p:sp>
+      <p:sp>
+        <p:nvSpPr>
+          <p:cNvPr id="4" name="Foliennummernplatzhalter 3"/>
+          <p:cNvSpPr>
+            <a:spLocks noGrp="1"/>
+          </p:cNvSpPr>
+          <p:nvPr>
+            <p:ph type="sldNum" sz="quarter" idx="10"/>
+          </p:nvPr>
+        </p:nvSpPr>
+        <p:spPr/>
+        <p:txBody>
+          <a:bodyPr/>
+          <a:lstStyle/>
+          <a:p>
+            <a:fld id="{37E44704-8E6D-4CF2-8CFA-A0F7BC751896}" type="slidenum">
+              <a:rPr lang="de-CH" smtClean="0"/>
+              <a:t>10</a:t>
             </a:fld>
             <a:endParaRPr lang="de-CH"/>
           </a:p>
@@ -7341,19 +7596,8 @@
                 <a:latin typeface="Lucida Sans"/>
                 <a:cs typeface="Lucida Sans"/>
               </a:rPr>
-              <a:t>Case Study 1 – Task </a:t>
-            </a:r>
-            <a:r>
-              <a:rPr lang="de-DE" dirty="0" smtClean="0">
-                <a:latin typeface="Lucida Sans"/>
-                <a:cs typeface="Lucida Sans"/>
-              </a:rPr>
-              <a:t>7</a:t>
-            </a:r>
-            <a:endParaRPr lang="de-DE" dirty="0" smtClean="0">
-              <a:latin typeface="Lucida Sans"/>
-              <a:cs typeface="Lucida Sans"/>
-            </a:endParaRPr>
+              <a:t>Case Study 1 – Task 7</a:t>
+            </a:r>
           </a:p>
           <a:p>
             <a:pPr marL="0" indent="0">
@@ -7477,6 +7721,238 @@
     <p:extLst>
       <p:ext uri="{BB962C8B-B14F-4D97-AF65-F5344CB8AC3E}">
         <p14:creationId xmlns:p14="http://schemas.microsoft.com/office/powerpoint/2010/main" val="3197282300"/>
+      </p:ext>
+    </p:extLst>
+  </p:cSld>
+  <p:clrMapOvr>
+    <a:masterClrMapping/>
+  </p:clrMapOvr>
+  <p:timing>
+    <p:tnLst>
+      <p:par>
+        <p:cTn id="1" dur="indefinite" restart="never" nodeType="tmRoot"/>
+      </p:par>
+    </p:tnLst>
+  </p:timing>
+</p:sld>
+</file>
+
+<file path=ppt/slides/slide10.xml><?xml version="1.0" encoding="utf-8"?>
+<p:sld xmlns:a="http://schemas.openxmlformats.org/drawingml/2006/main" xmlns:r="http://schemas.openxmlformats.org/officeDocument/2006/relationships" xmlns:p="http://schemas.openxmlformats.org/presentationml/2006/main">
+  <p:cSld>
+    <p:spTree>
+      <p:nvGrpSpPr>
+        <p:cNvPr id="1" name=""/>
+        <p:cNvGrpSpPr/>
+        <p:nvPr/>
+      </p:nvGrpSpPr>
+      <p:grpSpPr>
+        <a:xfrm>
+          <a:off x="0" y="0"/>
+          <a:ext cx="0" cy="0"/>
+          <a:chOff x="0" y="0"/>
+          <a:chExt cx="0" cy="0"/>
+        </a:xfrm>
+      </p:grpSpPr>
+      <p:sp>
+        <p:nvSpPr>
+          <p:cNvPr id="2" name="Inhaltsplatzhalter 1"/>
+          <p:cNvSpPr>
+            <a:spLocks noGrp="1"/>
+          </p:cNvSpPr>
+          <p:nvPr>
+            <p:ph sz="half" idx="1"/>
+          </p:nvPr>
+        </p:nvSpPr>
+        <p:spPr/>
+        <p:txBody>
+          <a:bodyPr/>
+          <a:lstStyle/>
+          <a:p>
+            <a:endParaRPr lang="de-DE" dirty="0" smtClean="0"/>
+          </a:p>
+        </p:txBody>
+      </p:sp>
+      <p:sp>
+        <p:nvSpPr>
+          <p:cNvPr id="3" name="Titel 2"/>
+          <p:cNvSpPr>
+            <a:spLocks noGrp="1"/>
+          </p:cNvSpPr>
+          <p:nvPr>
+            <p:ph type="ctrTitle"/>
+          </p:nvPr>
+        </p:nvSpPr>
+        <p:spPr/>
+        <p:txBody>
+          <a:bodyPr/>
+          <a:lstStyle/>
+          <a:p>
+            <a:r>
+              <a:rPr lang="de-DE" dirty="0" smtClean="0"/>
+              <a:t>Domain Model 2</a:t>
+            </a:r>
+            <a:endParaRPr lang="de-DE" dirty="0"/>
+          </a:p>
+        </p:txBody>
+      </p:sp>
+      <p:pic>
+        <p:nvPicPr>
+          <p:cNvPr id="2050" name="Picture 2"/>
+          <p:cNvPicPr>
+            <a:picLocks noChangeAspect="1" noChangeArrowheads="1"/>
+          </p:cNvPicPr>
+          <p:nvPr/>
+        </p:nvPicPr>
+        <p:blipFill rotWithShape="1">
+          <a:blip r:embed="rId3">
+            <a:extLst>
+              <a:ext uri="{28A0092B-C50C-407E-A947-70E740481C1C}">
+                <a14:useLocalDpi xmlns:a14="http://schemas.microsoft.com/office/drawing/2010/main" val="0"/>
+              </a:ext>
+            </a:extLst>
+          </a:blip>
+          <a:srcRect l="47315" t="10942" r="-1" b="19919"/>
+          <a:stretch/>
+        </p:blipFill>
+        <p:spPr bwMode="auto">
+          <a:xfrm>
+            <a:off x="1695221" y="900000"/>
+            <a:ext cx="5571853" cy="5421028"/>
+          </a:xfrm>
+          <a:prstGeom prst="rect">
+            <a:avLst/>
+          </a:prstGeom>
+          <a:noFill/>
+          <a:extLst>
+            <a:ext uri="{909E8E84-426E-40DD-AFC4-6F175D3DCCD1}">
+              <a14:hiddenFill xmlns:a14="http://schemas.microsoft.com/office/drawing/2010/main">
+                <a:solidFill>
+                  <a:srgbClr val="FFFFFF"/>
+                </a:solidFill>
+              </a14:hiddenFill>
+            </a:ext>
+          </a:extLst>
+        </p:spPr>
+      </p:pic>
+    </p:spTree>
+    <p:extLst>
+      <p:ext uri="{BB962C8B-B14F-4D97-AF65-F5344CB8AC3E}">
+        <p14:creationId xmlns:p14="http://schemas.microsoft.com/office/powerpoint/2010/main" val="3633168284"/>
+      </p:ext>
+    </p:extLst>
+  </p:cSld>
+  <p:clrMapOvr>
+    <a:masterClrMapping/>
+  </p:clrMapOvr>
+  <p:timing>
+    <p:tnLst>
+      <p:par>
+        <p:cTn id="1" dur="indefinite" restart="never" nodeType="tmRoot"/>
+      </p:par>
+    </p:tnLst>
+  </p:timing>
+</p:sld>
+</file>
+
+<file path=ppt/slides/slide11.xml><?xml version="1.0" encoding="utf-8"?>
+<p:sld xmlns:a="http://schemas.openxmlformats.org/drawingml/2006/main" xmlns:r="http://schemas.openxmlformats.org/officeDocument/2006/relationships" xmlns:p="http://schemas.openxmlformats.org/presentationml/2006/main">
+  <p:cSld>
+    <p:spTree>
+      <p:nvGrpSpPr>
+        <p:cNvPr id="1" name=""/>
+        <p:cNvGrpSpPr/>
+        <p:nvPr/>
+      </p:nvGrpSpPr>
+      <p:grpSpPr>
+        <a:xfrm>
+          <a:off x="0" y="0"/>
+          <a:ext cx="0" cy="0"/>
+          <a:chOff x="0" y="0"/>
+          <a:chExt cx="0" cy="0"/>
+        </a:xfrm>
+      </p:grpSpPr>
+      <p:sp>
+        <p:nvSpPr>
+          <p:cNvPr id="2" name="Inhaltsplatzhalter 1"/>
+          <p:cNvSpPr>
+            <a:spLocks noGrp="1"/>
+          </p:cNvSpPr>
+          <p:nvPr>
+            <p:ph sz="half" idx="1"/>
+          </p:nvPr>
+        </p:nvSpPr>
+        <p:spPr/>
+        <p:txBody>
+          <a:bodyPr/>
+          <a:lstStyle/>
+          <a:p>
+            <a:r>
+              <a:rPr lang="de-CH" dirty="0" smtClean="0"/>
+              <a:t>Erste grobe Aufzeichnung von Attributen und Methoden</a:t>
+            </a:r>
+          </a:p>
+          <a:p>
+            <a:endParaRPr lang="de-CH" dirty="0"/>
+          </a:p>
+          <a:p>
+            <a:r>
+              <a:rPr lang="de-CH" dirty="0" smtClean="0"/>
+              <a:t>Zusammenspiel der Akteure näher beschrieben</a:t>
+            </a:r>
+          </a:p>
+          <a:p>
+            <a:endParaRPr lang="de-CH" dirty="0"/>
+          </a:p>
+          <a:p>
+            <a:r>
+              <a:rPr lang="de-CH" dirty="0" smtClean="0"/>
+              <a:t>Herausforderung: Zusammenspiel </a:t>
+            </a:r>
+            <a:r>
+              <a:rPr lang="de-CH" dirty="0" err="1" smtClean="0"/>
+              <a:t>Notifications</a:t>
+            </a:r>
+            <a:r>
+              <a:rPr lang="de-CH" dirty="0" smtClean="0"/>
+              <a:t> zu Arzt und Patient</a:t>
+            </a:r>
+          </a:p>
+          <a:p>
+            <a:endParaRPr lang="de-CH" dirty="0"/>
+          </a:p>
+          <a:p>
+            <a:endParaRPr lang="de-CH" dirty="0"/>
+          </a:p>
+        </p:txBody>
+      </p:sp>
+      <p:sp>
+        <p:nvSpPr>
+          <p:cNvPr id="3" name="Titel 2"/>
+          <p:cNvSpPr>
+            <a:spLocks noGrp="1"/>
+          </p:cNvSpPr>
+          <p:nvPr>
+            <p:ph type="ctrTitle"/>
+          </p:nvPr>
+        </p:nvSpPr>
+        <p:spPr/>
+        <p:txBody>
+          <a:bodyPr/>
+          <a:lstStyle/>
+          <a:p>
+            <a:r>
+              <a:rPr lang="de-CH" dirty="0" smtClean="0"/>
+              <a:t>Fazit</a:t>
+            </a:r>
+            <a:endParaRPr lang="de-CH" dirty="0"/>
+          </a:p>
+        </p:txBody>
+      </p:sp>
+    </p:spTree>
+    <p:extLst>
+      <p:ext uri="{BB962C8B-B14F-4D97-AF65-F5344CB8AC3E}">
+        <p14:creationId xmlns:p14="http://schemas.microsoft.com/office/powerpoint/2010/main" val="2228554875"/>
       </p:ext>
     </p:extLst>
   </p:cSld>
@@ -7649,7 +8125,7 @@
             </a:r>
             <a:r>
               <a:rPr lang="de-CH" dirty="0" smtClean="0"/>
-              <a:t> Funktionen: </a:t>
+              <a:t>: </a:t>
             </a:r>
           </a:p>
           <a:p>
@@ -7794,7 +8270,7 @@
       </p:sp>
       <p:pic>
         <p:nvPicPr>
-          <p:cNvPr id="2050" name="Picture 2" descr="D:\Users\Stefan Johner\Documents\Dropbox\SoftwareEngineering\ch.bfh.btx8081.w2014.blue\trunk\doc\Task07\Task07UML_Domain_Model_1.png"/>
+          <p:cNvPr id="2050" name="Picture 2"/>
           <p:cNvPicPr>
             <a:picLocks noChangeAspect="1" noChangeArrowheads="1"/>
           </p:cNvPicPr>
@@ -7808,15 +8284,14 @@
               </a:ext>
             </a:extLst>
           </a:blip>
-          <a:srcRect/>
           <a:stretch>
             <a:fillRect/>
           </a:stretch>
         </p:blipFill>
         <p:spPr bwMode="auto">
           <a:xfrm>
-            <a:off x="147447" y="900000"/>
-            <a:ext cx="8864578" cy="5327973"/>
+            <a:off x="147447" y="919330"/>
+            <a:ext cx="8864578" cy="5289313"/>
           </a:xfrm>
           <a:prstGeom prst="rect">
             <a:avLst/>
@@ -8136,8 +8611,8 @@
         </p:blipFill>
         <p:spPr bwMode="auto">
           <a:xfrm>
-            <a:off x="251239" y="792026"/>
-            <a:ext cx="7987788" cy="5922110"/>
+            <a:off x="425925" y="792026"/>
+            <a:ext cx="7638416" cy="5922110"/>
           </a:xfrm>
           <a:prstGeom prst="rect">
             <a:avLst/>
@@ -8206,16 +8681,7 @@
           <a:bodyPr/>
           <a:lstStyle/>
           <a:p>
-            <a:r>
-              <a:rPr lang="de-CH" dirty="0" smtClean="0"/>
-              <a:t>Erste grobe Aufzeichnung von Attributen und Methoden</a:t>
-            </a:r>
-          </a:p>
-          <a:p>
-            <a:endParaRPr lang="de-CH" dirty="0"/>
-          </a:p>
-          <a:p>
-            <a:endParaRPr lang="de-CH" dirty="0"/>
+            <a:endParaRPr lang="de-DE" dirty="0" smtClean="0"/>
           </a:p>
         </p:txBody>
       </p:sp>
@@ -8235,17 +8701,174 @@
           <a:lstStyle/>
           <a:p>
             <a:r>
-              <a:rPr lang="de-CH" dirty="0" smtClean="0"/>
-              <a:t>Fazit</a:t>
-            </a:r>
-            <a:endParaRPr lang="de-CH" dirty="0"/>
-          </a:p>
-        </p:txBody>
-      </p:sp>
+              <a:rPr lang="de-DE" dirty="0" smtClean="0"/>
+              <a:t>Domain Model 2</a:t>
+            </a:r>
+            <a:endParaRPr lang="de-DE" dirty="0"/>
+          </a:p>
+        </p:txBody>
+      </p:sp>
+      <p:pic>
+        <p:nvPicPr>
+          <p:cNvPr id="2050" name="Picture 2"/>
+          <p:cNvPicPr>
+            <a:picLocks noChangeAspect="1" noChangeArrowheads="1"/>
+          </p:cNvPicPr>
+          <p:nvPr/>
+        </p:nvPicPr>
+        <p:blipFill rotWithShape="1">
+          <a:blip r:embed="rId3">
+            <a:extLst>
+              <a:ext uri="{28A0092B-C50C-407E-A947-70E740481C1C}">
+                <a14:useLocalDpi xmlns:a14="http://schemas.microsoft.com/office/drawing/2010/main" val="0"/>
+              </a:ext>
+            </a:extLst>
+          </a:blip>
+          <a:srcRect r="54042" b="50000"/>
+          <a:stretch/>
+        </p:blipFill>
+        <p:spPr bwMode="auto">
+          <a:xfrm>
+            <a:off x="251238" y="792026"/>
+            <a:ext cx="7196309" cy="5804506"/>
+          </a:xfrm>
+          <a:prstGeom prst="rect">
+            <a:avLst/>
+          </a:prstGeom>
+          <a:noFill/>
+          <a:extLst>
+            <a:ext uri="{909E8E84-426E-40DD-AFC4-6F175D3DCCD1}">
+              <a14:hiddenFill xmlns:a14="http://schemas.microsoft.com/office/drawing/2010/main">
+                <a:solidFill>
+                  <a:srgbClr val="FFFFFF"/>
+                </a:solidFill>
+              </a14:hiddenFill>
+            </a:ext>
+          </a:extLst>
+        </p:spPr>
+      </p:pic>
     </p:spTree>
     <p:extLst>
       <p:ext uri="{BB962C8B-B14F-4D97-AF65-F5344CB8AC3E}">
-        <p14:creationId xmlns:p14="http://schemas.microsoft.com/office/powerpoint/2010/main" val="2228554875"/>
+        <p14:creationId xmlns:p14="http://schemas.microsoft.com/office/powerpoint/2010/main" val="3787142767"/>
+      </p:ext>
+    </p:extLst>
+  </p:cSld>
+  <p:clrMapOvr>
+    <a:masterClrMapping/>
+  </p:clrMapOvr>
+  <p:timing>
+    <p:tnLst>
+      <p:par>
+        <p:cTn id="1" dur="indefinite" restart="never" nodeType="tmRoot"/>
+      </p:par>
+    </p:tnLst>
+  </p:timing>
+</p:sld>
+</file>
+
+<file path=ppt/slides/slide9.xml><?xml version="1.0" encoding="utf-8"?>
+<p:sld xmlns:a="http://schemas.openxmlformats.org/drawingml/2006/main" xmlns:r="http://schemas.openxmlformats.org/officeDocument/2006/relationships" xmlns:p="http://schemas.openxmlformats.org/presentationml/2006/main">
+  <p:cSld>
+    <p:spTree>
+      <p:nvGrpSpPr>
+        <p:cNvPr id="1" name=""/>
+        <p:cNvGrpSpPr/>
+        <p:nvPr/>
+      </p:nvGrpSpPr>
+      <p:grpSpPr>
+        <a:xfrm>
+          <a:off x="0" y="0"/>
+          <a:ext cx="0" cy="0"/>
+          <a:chOff x="0" y="0"/>
+          <a:chExt cx="0" cy="0"/>
+        </a:xfrm>
+      </p:grpSpPr>
+      <p:sp>
+        <p:nvSpPr>
+          <p:cNvPr id="2" name="Inhaltsplatzhalter 1"/>
+          <p:cNvSpPr>
+            <a:spLocks noGrp="1"/>
+          </p:cNvSpPr>
+          <p:nvPr>
+            <p:ph sz="half" idx="1"/>
+          </p:nvPr>
+        </p:nvSpPr>
+        <p:spPr/>
+        <p:txBody>
+          <a:bodyPr/>
+          <a:lstStyle/>
+          <a:p>
+            <a:endParaRPr lang="de-DE" dirty="0" smtClean="0"/>
+          </a:p>
+        </p:txBody>
+      </p:sp>
+      <p:sp>
+        <p:nvSpPr>
+          <p:cNvPr id="3" name="Titel 2"/>
+          <p:cNvSpPr>
+            <a:spLocks noGrp="1"/>
+          </p:cNvSpPr>
+          <p:nvPr>
+            <p:ph type="ctrTitle"/>
+          </p:nvPr>
+        </p:nvSpPr>
+        <p:spPr/>
+        <p:txBody>
+          <a:bodyPr/>
+          <a:lstStyle/>
+          <a:p>
+            <a:r>
+              <a:rPr lang="de-DE" dirty="0" smtClean="0"/>
+              <a:t>Domain Model 2</a:t>
+            </a:r>
+            <a:endParaRPr lang="de-DE" dirty="0"/>
+          </a:p>
+        </p:txBody>
+      </p:sp>
+      <p:pic>
+        <p:nvPicPr>
+          <p:cNvPr id="2050" name="Picture 2"/>
+          <p:cNvPicPr>
+            <a:picLocks noChangeAspect="1" noChangeArrowheads="1"/>
+          </p:cNvPicPr>
+          <p:nvPr/>
+        </p:nvPicPr>
+        <p:blipFill rotWithShape="1">
+          <a:blip r:embed="rId3">
+            <a:extLst>
+              <a:ext uri="{28A0092B-C50C-407E-A947-70E740481C1C}">
+                <a14:useLocalDpi xmlns:a14="http://schemas.microsoft.com/office/drawing/2010/main" val="0"/>
+              </a:ext>
+            </a:extLst>
+          </a:blip>
+          <a:srcRect t="48007" r="52311"/>
+          <a:stretch/>
+        </p:blipFill>
+        <p:spPr bwMode="auto">
+          <a:xfrm>
+            <a:off x="1502524" y="1032363"/>
+            <a:ext cx="5764550" cy="4872551"/>
+          </a:xfrm>
+          <a:prstGeom prst="rect">
+            <a:avLst/>
+          </a:prstGeom>
+          <a:noFill/>
+          <a:extLst>
+            <a:ext uri="{909E8E84-426E-40DD-AFC4-6F175D3DCCD1}">
+              <a14:hiddenFill xmlns:a14="http://schemas.microsoft.com/office/drawing/2010/main">
+                <a:solidFill>
+                  <a:srgbClr val="FFFFFF"/>
+                </a:solidFill>
+              </a14:hiddenFill>
+            </a:ext>
+          </a:extLst>
+        </p:spPr>
+      </p:pic>
+    </p:spTree>
+    <p:extLst>
+      <p:ext uri="{BB962C8B-B14F-4D97-AF65-F5344CB8AC3E}">
+        <p14:creationId xmlns:p14="http://schemas.microsoft.com/office/powerpoint/2010/main" val="1694131846"/>
       </p:ext>
     </p:extLst>
   </p:cSld>
